--- a/docs/figures/figure-docs.pptx
+++ b/docs/figures/figure-docs.pptx
@@ -2,12 +2,12 @@
 <file path=ppt/presentation.xml><?xml version="1.0" encoding="utf-8"?>
 <p:presentation xmlns:a="http://schemas.openxmlformats.org/drawingml/2006/main" xmlns:r="http://schemas.openxmlformats.org/officeDocument/2006/relationships" xmlns:p="http://schemas.openxmlformats.org/presentationml/2006/main" saveSubsetFonts="1">
   <p:sldMasterIdLst>
-    <p:sldMasterId id="2147483780" r:id="rId1"/>
+    <p:sldMasterId id="2147483792" r:id="rId1"/>
   </p:sldMasterIdLst>
   <p:sldIdLst>
     <p:sldId id="274" r:id="rId2"/>
   </p:sldIdLst>
-  <p:sldSz cx="10799763" cy="4679950"/>
+  <p:sldSz cx="10799763" cy="5400675"/>
   <p:notesSz cx="6858000" cy="9144000"/>
   <p:defaultTextStyle>
     <a:defPPr>
@@ -141,15 +141,15 @@
         </p:nvSpPr>
         <p:spPr>
           <a:xfrm>
-            <a:off x="1349971" y="765909"/>
-            <a:ext cx="8099822" cy="1629316"/>
+            <a:off x="1349971" y="883861"/>
+            <a:ext cx="8099822" cy="1880235"/>
           </a:xfrm>
         </p:spPr>
         <p:txBody>
           <a:bodyPr anchor="b"/>
           <a:lstStyle>
             <a:lvl1pPr algn="ctr">
-              <a:defRPr sz="4094"/>
+              <a:defRPr sz="4725"/>
             </a:lvl1pPr>
           </a:lstStyle>
           <a:p>
@@ -173,8 +173,8 @@
         </p:nvSpPr>
         <p:spPr>
           <a:xfrm>
-            <a:off x="1349971" y="2458058"/>
-            <a:ext cx="8099822" cy="1129904"/>
+            <a:off x="1349971" y="2836605"/>
+            <a:ext cx="8099822" cy="1303913"/>
           </a:xfrm>
         </p:spPr>
         <p:txBody>
@@ -182,39 +182,39 @@
           <a:lstStyle>
             <a:lvl1pPr marL="0" indent="0" algn="ctr">
               <a:buNone/>
-              <a:defRPr sz="1638"/>
+              <a:defRPr sz="1890"/>
             </a:lvl1pPr>
-            <a:lvl2pPr marL="311993" indent="0" algn="ctr">
-              <a:buNone/>
-              <a:defRPr sz="1365"/>
+            <a:lvl2pPr marL="360045" indent="0" algn="ctr">
+              <a:buNone/>
+              <a:defRPr sz="1575"/>
             </a:lvl2pPr>
-            <a:lvl3pPr marL="623987" indent="0" algn="ctr">
-              <a:buNone/>
-              <a:defRPr sz="1228"/>
+            <a:lvl3pPr marL="720090" indent="0" algn="ctr">
+              <a:buNone/>
+              <a:defRPr sz="1418"/>
             </a:lvl3pPr>
-            <a:lvl4pPr marL="935980" indent="0" algn="ctr">
-              <a:buNone/>
-              <a:defRPr sz="1092"/>
+            <a:lvl4pPr marL="1080135" indent="0" algn="ctr">
+              <a:buNone/>
+              <a:defRPr sz="1260"/>
             </a:lvl4pPr>
-            <a:lvl5pPr marL="1247973" indent="0" algn="ctr">
-              <a:buNone/>
-              <a:defRPr sz="1092"/>
+            <a:lvl5pPr marL="1440180" indent="0" algn="ctr">
+              <a:buNone/>
+              <a:defRPr sz="1260"/>
             </a:lvl5pPr>
-            <a:lvl6pPr marL="1559966" indent="0" algn="ctr">
-              <a:buNone/>
-              <a:defRPr sz="1092"/>
+            <a:lvl6pPr marL="1800225" indent="0" algn="ctr">
+              <a:buNone/>
+              <a:defRPr sz="1260"/>
             </a:lvl6pPr>
-            <a:lvl7pPr marL="1871960" indent="0" algn="ctr">
-              <a:buNone/>
-              <a:defRPr sz="1092"/>
+            <a:lvl7pPr marL="2160270" indent="0" algn="ctr">
+              <a:buNone/>
+              <a:defRPr sz="1260"/>
             </a:lvl7pPr>
-            <a:lvl8pPr marL="2183953" indent="0" algn="ctr">
-              <a:buNone/>
-              <a:defRPr sz="1092"/>
+            <a:lvl8pPr marL="2520315" indent="0" algn="ctr">
+              <a:buNone/>
+              <a:defRPr sz="1260"/>
             </a:lvl8pPr>
-            <a:lvl9pPr marL="2495946" indent="0" algn="ctr">
-              <a:buNone/>
-              <a:defRPr sz="1092"/>
+            <a:lvl9pPr marL="2880360" indent="0" algn="ctr">
+              <a:buNone/>
+              <a:defRPr sz="1260"/>
             </a:lvl9pPr>
           </a:lstStyle>
           <a:p>
@@ -294,7 +294,7 @@
     </p:spTree>
     <p:extLst>
       <p:ext uri="{BB962C8B-B14F-4D97-AF65-F5344CB8AC3E}">
-        <p14:creationId xmlns:p14="http://schemas.microsoft.com/office/powerpoint/2010/main" val="3628519780"/>
+        <p14:creationId xmlns:p14="http://schemas.microsoft.com/office/powerpoint/2010/main" val="2826546866"/>
       </p:ext>
     </p:extLst>
   </p:cSld>
@@ -464,7 +464,7 @@
     </p:spTree>
     <p:extLst>
       <p:ext uri="{BB962C8B-B14F-4D97-AF65-F5344CB8AC3E}">
-        <p14:creationId xmlns:p14="http://schemas.microsoft.com/office/powerpoint/2010/main" val="1427397327"/>
+        <p14:creationId xmlns:p14="http://schemas.microsoft.com/office/powerpoint/2010/main" val="3413673661"/>
       </p:ext>
     </p:extLst>
   </p:cSld>
@@ -503,8 +503,8 @@
         </p:nvSpPr>
         <p:spPr>
           <a:xfrm>
-            <a:off x="7728580" y="249164"/>
-            <a:ext cx="2328699" cy="3966041"/>
+            <a:off x="7728580" y="287536"/>
+            <a:ext cx="2328699" cy="4576822"/>
           </a:xfrm>
         </p:spPr>
         <p:txBody>
@@ -531,8 +531,8 @@
         </p:nvSpPr>
         <p:spPr>
           <a:xfrm>
-            <a:off x="742484" y="249164"/>
-            <a:ext cx="6851100" cy="3966041"/>
+            <a:off x="742484" y="287536"/>
+            <a:ext cx="6851100" cy="4576822"/>
           </a:xfrm>
         </p:spPr>
         <p:txBody>
@@ -644,7 +644,7 @@
     </p:spTree>
     <p:extLst>
       <p:ext uri="{BB962C8B-B14F-4D97-AF65-F5344CB8AC3E}">
-        <p14:creationId xmlns:p14="http://schemas.microsoft.com/office/powerpoint/2010/main" val="1449227100"/>
+        <p14:creationId xmlns:p14="http://schemas.microsoft.com/office/powerpoint/2010/main" val="1338257758"/>
       </p:ext>
     </p:extLst>
   </p:cSld>
@@ -814,7 +814,7 @@
     </p:spTree>
     <p:extLst>
       <p:ext uri="{BB962C8B-B14F-4D97-AF65-F5344CB8AC3E}">
-        <p14:creationId xmlns:p14="http://schemas.microsoft.com/office/powerpoint/2010/main" val="1391791583"/>
+        <p14:creationId xmlns:p14="http://schemas.microsoft.com/office/powerpoint/2010/main" val="2083658608"/>
       </p:ext>
     </p:extLst>
   </p:cSld>
@@ -853,15 +853,15 @@
         </p:nvSpPr>
         <p:spPr>
           <a:xfrm>
-            <a:off x="736859" y="1166738"/>
-            <a:ext cx="9314796" cy="1946729"/>
+            <a:off x="736859" y="1346419"/>
+            <a:ext cx="9314796" cy="2246530"/>
           </a:xfrm>
         </p:spPr>
         <p:txBody>
           <a:bodyPr anchor="b"/>
           <a:lstStyle>
             <a:lvl1pPr>
-              <a:defRPr sz="4094"/>
+              <a:defRPr sz="4725"/>
             </a:lvl1pPr>
           </a:lstStyle>
           <a:p>
@@ -885,8 +885,8 @@
         </p:nvSpPr>
         <p:spPr>
           <a:xfrm>
-            <a:off x="736859" y="3131884"/>
-            <a:ext cx="9314796" cy="1023739"/>
+            <a:off x="736859" y="3614203"/>
+            <a:ext cx="9314796" cy="1181397"/>
           </a:xfrm>
         </p:spPr>
         <p:txBody>
@@ -894,7 +894,7 @@
           <a:lstStyle>
             <a:lvl1pPr marL="0" indent="0">
               <a:buNone/>
-              <a:defRPr sz="1638">
+              <a:defRPr sz="1890">
                 <a:solidFill>
                   <a:schemeClr val="tx1">
                     <a:tint val="75000"/>
@@ -902,9 +902,9 @@
                 </a:solidFill>
               </a:defRPr>
             </a:lvl1pPr>
-            <a:lvl2pPr marL="311993" indent="0">
-              <a:buNone/>
-              <a:defRPr sz="1365">
+            <a:lvl2pPr marL="360045" indent="0">
+              <a:buNone/>
+              <a:defRPr sz="1575">
                 <a:solidFill>
                   <a:schemeClr val="tx1">
                     <a:tint val="75000"/>
@@ -912,9 +912,9 @@
                 </a:solidFill>
               </a:defRPr>
             </a:lvl2pPr>
-            <a:lvl3pPr marL="623987" indent="0">
-              <a:buNone/>
-              <a:defRPr sz="1228">
+            <a:lvl3pPr marL="720090" indent="0">
+              <a:buNone/>
+              <a:defRPr sz="1418">
                 <a:solidFill>
                   <a:schemeClr val="tx1">
                     <a:tint val="75000"/>
@@ -922,9 +922,9 @@
                 </a:solidFill>
               </a:defRPr>
             </a:lvl3pPr>
-            <a:lvl4pPr marL="935980" indent="0">
-              <a:buNone/>
-              <a:defRPr sz="1092">
+            <a:lvl4pPr marL="1080135" indent="0">
+              <a:buNone/>
+              <a:defRPr sz="1260">
                 <a:solidFill>
                   <a:schemeClr val="tx1">
                     <a:tint val="75000"/>
@@ -932,9 +932,9 @@
                 </a:solidFill>
               </a:defRPr>
             </a:lvl4pPr>
-            <a:lvl5pPr marL="1247973" indent="0">
-              <a:buNone/>
-              <a:defRPr sz="1092">
+            <a:lvl5pPr marL="1440180" indent="0">
+              <a:buNone/>
+              <a:defRPr sz="1260">
                 <a:solidFill>
                   <a:schemeClr val="tx1">
                     <a:tint val="75000"/>
@@ -942,9 +942,9 @@
                 </a:solidFill>
               </a:defRPr>
             </a:lvl5pPr>
-            <a:lvl6pPr marL="1559966" indent="0">
-              <a:buNone/>
-              <a:defRPr sz="1092">
+            <a:lvl6pPr marL="1800225" indent="0">
+              <a:buNone/>
+              <a:defRPr sz="1260">
                 <a:solidFill>
                   <a:schemeClr val="tx1">
                     <a:tint val="75000"/>
@@ -952,9 +952,9 @@
                 </a:solidFill>
               </a:defRPr>
             </a:lvl6pPr>
-            <a:lvl7pPr marL="1871960" indent="0">
-              <a:buNone/>
-              <a:defRPr sz="1092">
+            <a:lvl7pPr marL="2160270" indent="0">
+              <a:buNone/>
+              <a:defRPr sz="1260">
                 <a:solidFill>
                   <a:schemeClr val="tx1">
                     <a:tint val="75000"/>
@@ -962,9 +962,9 @@
                 </a:solidFill>
               </a:defRPr>
             </a:lvl7pPr>
-            <a:lvl8pPr marL="2183953" indent="0">
-              <a:buNone/>
-              <a:defRPr sz="1092">
+            <a:lvl8pPr marL="2520315" indent="0">
+              <a:buNone/>
+              <a:defRPr sz="1260">
                 <a:solidFill>
                   <a:schemeClr val="tx1">
                     <a:tint val="75000"/>
@@ -972,9 +972,9 @@
                 </a:solidFill>
               </a:defRPr>
             </a:lvl8pPr>
-            <a:lvl9pPr marL="2495946" indent="0">
-              <a:buNone/>
-              <a:defRPr sz="1092">
+            <a:lvl9pPr marL="2880360" indent="0">
+              <a:buNone/>
+              <a:defRPr sz="1260">
                 <a:solidFill>
                   <a:schemeClr val="tx1">
                     <a:tint val="75000"/>
@@ -1060,7 +1060,7 @@
     </p:spTree>
     <p:extLst>
       <p:ext uri="{BB962C8B-B14F-4D97-AF65-F5344CB8AC3E}">
-        <p14:creationId xmlns:p14="http://schemas.microsoft.com/office/powerpoint/2010/main" val="1932668871"/>
+        <p14:creationId xmlns:p14="http://schemas.microsoft.com/office/powerpoint/2010/main" val="1050164884"/>
       </p:ext>
     </p:extLst>
   </p:cSld>
@@ -1122,8 +1122,8 @@
         </p:nvSpPr>
         <p:spPr>
           <a:xfrm>
-            <a:off x="742484" y="1245820"/>
-            <a:ext cx="4589899" cy="2969385"/>
+            <a:off x="742484" y="1437680"/>
+            <a:ext cx="4589899" cy="3426679"/>
           </a:xfrm>
         </p:spPr>
         <p:txBody>
@@ -1179,8 +1179,8 @@
         </p:nvSpPr>
         <p:spPr>
           <a:xfrm>
-            <a:off x="5467380" y="1245820"/>
-            <a:ext cx="4589899" cy="2969385"/>
+            <a:off x="5467380" y="1437680"/>
+            <a:ext cx="4589899" cy="3426679"/>
           </a:xfrm>
         </p:spPr>
         <p:txBody>
@@ -1292,7 +1292,7 @@
     </p:spTree>
     <p:extLst>
       <p:ext uri="{BB962C8B-B14F-4D97-AF65-F5344CB8AC3E}">
-        <p14:creationId xmlns:p14="http://schemas.microsoft.com/office/powerpoint/2010/main" val="2128869487"/>
+        <p14:creationId xmlns:p14="http://schemas.microsoft.com/office/powerpoint/2010/main" val="2666320364"/>
       </p:ext>
     </p:extLst>
   </p:cSld>
@@ -1331,8 +1331,8 @@
         </p:nvSpPr>
         <p:spPr>
           <a:xfrm>
-            <a:off x="743890" y="249164"/>
-            <a:ext cx="9314796" cy="904574"/>
+            <a:off x="743890" y="287536"/>
+            <a:ext cx="9314796" cy="1043881"/>
           </a:xfrm>
         </p:spPr>
         <p:txBody>
@@ -1359,8 +1359,8 @@
         </p:nvSpPr>
         <p:spPr>
           <a:xfrm>
-            <a:off x="743891" y="1147238"/>
-            <a:ext cx="4568806" cy="562244"/>
+            <a:off x="743891" y="1323916"/>
+            <a:ext cx="4568806" cy="648831"/>
           </a:xfrm>
         </p:spPr>
         <p:txBody>
@@ -1368,39 +1368,39 @@
           <a:lstStyle>
             <a:lvl1pPr marL="0" indent="0">
               <a:buNone/>
-              <a:defRPr sz="1638" b="1"/>
+              <a:defRPr sz="1890" b="1"/>
             </a:lvl1pPr>
-            <a:lvl2pPr marL="311993" indent="0">
-              <a:buNone/>
-              <a:defRPr sz="1365" b="1"/>
+            <a:lvl2pPr marL="360045" indent="0">
+              <a:buNone/>
+              <a:defRPr sz="1575" b="1"/>
             </a:lvl2pPr>
-            <a:lvl3pPr marL="623987" indent="0">
-              <a:buNone/>
-              <a:defRPr sz="1228" b="1"/>
+            <a:lvl3pPr marL="720090" indent="0">
+              <a:buNone/>
+              <a:defRPr sz="1418" b="1"/>
             </a:lvl3pPr>
-            <a:lvl4pPr marL="935980" indent="0">
-              <a:buNone/>
-              <a:defRPr sz="1092" b="1"/>
+            <a:lvl4pPr marL="1080135" indent="0">
+              <a:buNone/>
+              <a:defRPr sz="1260" b="1"/>
             </a:lvl4pPr>
-            <a:lvl5pPr marL="1247973" indent="0">
-              <a:buNone/>
-              <a:defRPr sz="1092" b="1"/>
+            <a:lvl5pPr marL="1440180" indent="0">
+              <a:buNone/>
+              <a:defRPr sz="1260" b="1"/>
             </a:lvl5pPr>
-            <a:lvl6pPr marL="1559966" indent="0">
-              <a:buNone/>
-              <a:defRPr sz="1092" b="1"/>
+            <a:lvl6pPr marL="1800225" indent="0">
+              <a:buNone/>
+              <a:defRPr sz="1260" b="1"/>
             </a:lvl6pPr>
-            <a:lvl7pPr marL="1871960" indent="0">
-              <a:buNone/>
-              <a:defRPr sz="1092" b="1"/>
+            <a:lvl7pPr marL="2160270" indent="0">
+              <a:buNone/>
+              <a:defRPr sz="1260" b="1"/>
             </a:lvl7pPr>
-            <a:lvl8pPr marL="2183953" indent="0">
-              <a:buNone/>
-              <a:defRPr sz="1092" b="1"/>
+            <a:lvl8pPr marL="2520315" indent="0">
+              <a:buNone/>
+              <a:defRPr sz="1260" b="1"/>
             </a:lvl8pPr>
-            <a:lvl9pPr marL="2495946" indent="0">
-              <a:buNone/>
-              <a:defRPr sz="1092" b="1"/>
+            <a:lvl9pPr marL="2880360" indent="0">
+              <a:buNone/>
+              <a:defRPr sz="1260" b="1"/>
             </a:lvl9pPr>
           </a:lstStyle>
           <a:p>
@@ -1424,8 +1424,8 @@
         </p:nvSpPr>
         <p:spPr>
           <a:xfrm>
-            <a:off x="743891" y="1709482"/>
-            <a:ext cx="4568806" cy="2514390"/>
+            <a:off x="743891" y="1972747"/>
+            <a:ext cx="4568806" cy="2901613"/>
           </a:xfrm>
         </p:spPr>
         <p:txBody>
@@ -1481,8 +1481,8 @@
         </p:nvSpPr>
         <p:spPr>
           <a:xfrm>
-            <a:off x="5467380" y="1147238"/>
-            <a:ext cx="4591306" cy="562244"/>
+            <a:off x="5467380" y="1323916"/>
+            <a:ext cx="4591306" cy="648831"/>
           </a:xfrm>
         </p:spPr>
         <p:txBody>
@@ -1490,39 +1490,39 @@
           <a:lstStyle>
             <a:lvl1pPr marL="0" indent="0">
               <a:buNone/>
-              <a:defRPr sz="1638" b="1"/>
+              <a:defRPr sz="1890" b="1"/>
             </a:lvl1pPr>
-            <a:lvl2pPr marL="311993" indent="0">
-              <a:buNone/>
-              <a:defRPr sz="1365" b="1"/>
+            <a:lvl2pPr marL="360045" indent="0">
+              <a:buNone/>
+              <a:defRPr sz="1575" b="1"/>
             </a:lvl2pPr>
-            <a:lvl3pPr marL="623987" indent="0">
-              <a:buNone/>
-              <a:defRPr sz="1228" b="1"/>
+            <a:lvl3pPr marL="720090" indent="0">
+              <a:buNone/>
+              <a:defRPr sz="1418" b="1"/>
             </a:lvl3pPr>
-            <a:lvl4pPr marL="935980" indent="0">
-              <a:buNone/>
-              <a:defRPr sz="1092" b="1"/>
+            <a:lvl4pPr marL="1080135" indent="0">
+              <a:buNone/>
+              <a:defRPr sz="1260" b="1"/>
             </a:lvl4pPr>
-            <a:lvl5pPr marL="1247973" indent="0">
-              <a:buNone/>
-              <a:defRPr sz="1092" b="1"/>
+            <a:lvl5pPr marL="1440180" indent="0">
+              <a:buNone/>
+              <a:defRPr sz="1260" b="1"/>
             </a:lvl5pPr>
-            <a:lvl6pPr marL="1559966" indent="0">
-              <a:buNone/>
-              <a:defRPr sz="1092" b="1"/>
+            <a:lvl6pPr marL="1800225" indent="0">
+              <a:buNone/>
+              <a:defRPr sz="1260" b="1"/>
             </a:lvl6pPr>
-            <a:lvl7pPr marL="1871960" indent="0">
-              <a:buNone/>
-              <a:defRPr sz="1092" b="1"/>
+            <a:lvl7pPr marL="2160270" indent="0">
+              <a:buNone/>
+              <a:defRPr sz="1260" b="1"/>
             </a:lvl7pPr>
-            <a:lvl8pPr marL="2183953" indent="0">
-              <a:buNone/>
-              <a:defRPr sz="1092" b="1"/>
+            <a:lvl8pPr marL="2520315" indent="0">
+              <a:buNone/>
+              <a:defRPr sz="1260" b="1"/>
             </a:lvl8pPr>
-            <a:lvl9pPr marL="2495946" indent="0">
-              <a:buNone/>
-              <a:defRPr sz="1092" b="1"/>
+            <a:lvl9pPr marL="2880360" indent="0">
+              <a:buNone/>
+              <a:defRPr sz="1260" b="1"/>
             </a:lvl9pPr>
           </a:lstStyle>
           <a:p>
@@ -1546,8 +1546,8 @@
         </p:nvSpPr>
         <p:spPr>
           <a:xfrm>
-            <a:off x="5467380" y="1709482"/>
-            <a:ext cx="4591306" cy="2514390"/>
+            <a:off x="5467380" y="1972747"/>
+            <a:ext cx="4591306" cy="2901613"/>
           </a:xfrm>
         </p:spPr>
         <p:txBody>
@@ -1659,7 +1659,7 @@
     </p:spTree>
     <p:extLst>
       <p:ext uri="{BB962C8B-B14F-4D97-AF65-F5344CB8AC3E}">
-        <p14:creationId xmlns:p14="http://schemas.microsoft.com/office/powerpoint/2010/main" val="3855447058"/>
+        <p14:creationId xmlns:p14="http://schemas.microsoft.com/office/powerpoint/2010/main" val="1232018377"/>
       </p:ext>
     </p:extLst>
   </p:cSld>
@@ -1777,7 +1777,7 @@
     </p:spTree>
     <p:extLst>
       <p:ext uri="{BB962C8B-B14F-4D97-AF65-F5344CB8AC3E}">
-        <p14:creationId xmlns:p14="http://schemas.microsoft.com/office/powerpoint/2010/main" val="3818397204"/>
+        <p14:creationId xmlns:p14="http://schemas.microsoft.com/office/powerpoint/2010/main" val="1213683157"/>
       </p:ext>
     </p:extLst>
   </p:cSld>
@@ -1872,7 +1872,7 @@
     </p:spTree>
     <p:extLst>
       <p:ext uri="{BB962C8B-B14F-4D97-AF65-F5344CB8AC3E}">
-        <p14:creationId xmlns:p14="http://schemas.microsoft.com/office/powerpoint/2010/main" val="180100877"/>
+        <p14:creationId xmlns:p14="http://schemas.microsoft.com/office/powerpoint/2010/main" val="524759605"/>
       </p:ext>
     </p:extLst>
   </p:cSld>
@@ -1911,15 +1911,15 @@
         </p:nvSpPr>
         <p:spPr>
           <a:xfrm>
-            <a:off x="743891" y="311997"/>
-            <a:ext cx="3483204" cy="1091988"/>
+            <a:off x="743891" y="360045"/>
+            <a:ext cx="3483204" cy="1260158"/>
           </a:xfrm>
         </p:spPr>
         <p:txBody>
           <a:bodyPr anchor="b"/>
           <a:lstStyle>
             <a:lvl1pPr>
-              <a:defRPr sz="2184"/>
+              <a:defRPr sz="2520"/>
             </a:lvl1pPr>
           </a:lstStyle>
           <a:p>
@@ -1943,39 +1943,39 @@
         </p:nvSpPr>
         <p:spPr>
           <a:xfrm>
-            <a:off x="4591306" y="673826"/>
-            <a:ext cx="5467380" cy="3325798"/>
+            <a:off x="4591306" y="777597"/>
+            <a:ext cx="5467380" cy="3837980"/>
           </a:xfrm>
         </p:spPr>
         <p:txBody>
           <a:bodyPr/>
           <a:lstStyle>
             <a:lvl1pPr>
-              <a:defRPr sz="2184"/>
+              <a:defRPr sz="2520"/>
             </a:lvl1pPr>
             <a:lvl2pPr>
-              <a:defRPr sz="1911"/>
+              <a:defRPr sz="2205"/>
             </a:lvl2pPr>
             <a:lvl3pPr>
-              <a:defRPr sz="1638"/>
+              <a:defRPr sz="1890"/>
             </a:lvl3pPr>
             <a:lvl4pPr>
-              <a:defRPr sz="1365"/>
+              <a:defRPr sz="1575"/>
             </a:lvl4pPr>
             <a:lvl5pPr>
-              <a:defRPr sz="1365"/>
+              <a:defRPr sz="1575"/>
             </a:lvl5pPr>
             <a:lvl6pPr>
-              <a:defRPr sz="1365"/>
+              <a:defRPr sz="1575"/>
             </a:lvl6pPr>
             <a:lvl7pPr>
-              <a:defRPr sz="1365"/>
+              <a:defRPr sz="1575"/>
             </a:lvl7pPr>
             <a:lvl8pPr>
-              <a:defRPr sz="1365"/>
+              <a:defRPr sz="1575"/>
             </a:lvl8pPr>
             <a:lvl9pPr>
-              <a:defRPr sz="1365"/>
+              <a:defRPr sz="1575"/>
             </a:lvl9pPr>
           </a:lstStyle>
           <a:p>
@@ -2028,8 +2028,8 @@
         </p:nvSpPr>
         <p:spPr>
           <a:xfrm>
-            <a:off x="743891" y="1403985"/>
-            <a:ext cx="3483204" cy="2601056"/>
+            <a:off x="743891" y="1620202"/>
+            <a:ext cx="3483204" cy="3001626"/>
           </a:xfrm>
         </p:spPr>
         <p:txBody>
@@ -2037,39 +2037,39 @@
           <a:lstStyle>
             <a:lvl1pPr marL="0" indent="0">
               <a:buNone/>
-              <a:defRPr sz="1092"/>
+              <a:defRPr sz="1260"/>
             </a:lvl1pPr>
-            <a:lvl2pPr marL="311993" indent="0">
-              <a:buNone/>
-              <a:defRPr sz="955"/>
+            <a:lvl2pPr marL="360045" indent="0">
+              <a:buNone/>
+              <a:defRPr sz="1103"/>
             </a:lvl2pPr>
-            <a:lvl3pPr marL="623987" indent="0">
-              <a:buNone/>
-              <a:defRPr sz="819"/>
+            <a:lvl3pPr marL="720090" indent="0">
+              <a:buNone/>
+              <a:defRPr sz="945"/>
             </a:lvl3pPr>
-            <a:lvl4pPr marL="935980" indent="0">
-              <a:buNone/>
-              <a:defRPr sz="682"/>
+            <a:lvl4pPr marL="1080135" indent="0">
+              <a:buNone/>
+              <a:defRPr sz="788"/>
             </a:lvl4pPr>
-            <a:lvl5pPr marL="1247973" indent="0">
-              <a:buNone/>
-              <a:defRPr sz="682"/>
+            <a:lvl5pPr marL="1440180" indent="0">
+              <a:buNone/>
+              <a:defRPr sz="788"/>
             </a:lvl5pPr>
-            <a:lvl6pPr marL="1559966" indent="0">
-              <a:buNone/>
-              <a:defRPr sz="682"/>
+            <a:lvl6pPr marL="1800225" indent="0">
+              <a:buNone/>
+              <a:defRPr sz="788"/>
             </a:lvl6pPr>
-            <a:lvl7pPr marL="1871960" indent="0">
-              <a:buNone/>
-              <a:defRPr sz="682"/>
+            <a:lvl7pPr marL="2160270" indent="0">
+              <a:buNone/>
+              <a:defRPr sz="788"/>
             </a:lvl7pPr>
-            <a:lvl8pPr marL="2183953" indent="0">
-              <a:buNone/>
-              <a:defRPr sz="682"/>
+            <a:lvl8pPr marL="2520315" indent="0">
+              <a:buNone/>
+              <a:defRPr sz="788"/>
             </a:lvl8pPr>
-            <a:lvl9pPr marL="2495946" indent="0">
-              <a:buNone/>
-              <a:defRPr sz="682"/>
+            <a:lvl9pPr marL="2880360" indent="0">
+              <a:buNone/>
+              <a:defRPr sz="788"/>
             </a:lvl9pPr>
           </a:lstStyle>
           <a:p>
@@ -2149,7 +2149,7 @@
     </p:spTree>
     <p:extLst>
       <p:ext uri="{BB962C8B-B14F-4D97-AF65-F5344CB8AC3E}">
-        <p14:creationId xmlns:p14="http://schemas.microsoft.com/office/powerpoint/2010/main" val="2849520057"/>
+        <p14:creationId xmlns:p14="http://schemas.microsoft.com/office/powerpoint/2010/main" val="1443163988"/>
       </p:ext>
     </p:extLst>
   </p:cSld>
@@ -2188,15 +2188,15 @@
         </p:nvSpPr>
         <p:spPr>
           <a:xfrm>
-            <a:off x="743891" y="311997"/>
-            <a:ext cx="3483204" cy="1091988"/>
+            <a:off x="743891" y="360045"/>
+            <a:ext cx="3483204" cy="1260158"/>
           </a:xfrm>
         </p:spPr>
         <p:txBody>
           <a:bodyPr anchor="b"/>
           <a:lstStyle>
             <a:lvl1pPr>
-              <a:defRPr sz="2184"/>
+              <a:defRPr sz="2520"/>
             </a:lvl1pPr>
           </a:lstStyle>
           <a:p>
@@ -2220,8 +2220,8 @@
         </p:nvSpPr>
         <p:spPr>
           <a:xfrm>
-            <a:off x="4591306" y="673826"/>
-            <a:ext cx="5467380" cy="3325798"/>
+            <a:off x="4591306" y="777597"/>
+            <a:ext cx="5467380" cy="3837980"/>
           </a:xfrm>
         </p:spPr>
         <p:txBody>
@@ -2229,39 +2229,39 @@
           <a:lstStyle>
             <a:lvl1pPr marL="0" indent="0">
               <a:buNone/>
-              <a:defRPr sz="2184"/>
+              <a:defRPr sz="2520"/>
             </a:lvl1pPr>
-            <a:lvl2pPr marL="311993" indent="0">
-              <a:buNone/>
-              <a:defRPr sz="1911"/>
+            <a:lvl2pPr marL="360045" indent="0">
+              <a:buNone/>
+              <a:defRPr sz="2205"/>
             </a:lvl2pPr>
-            <a:lvl3pPr marL="623987" indent="0">
-              <a:buNone/>
-              <a:defRPr sz="1638"/>
+            <a:lvl3pPr marL="720090" indent="0">
+              <a:buNone/>
+              <a:defRPr sz="1890"/>
             </a:lvl3pPr>
-            <a:lvl4pPr marL="935980" indent="0">
-              <a:buNone/>
-              <a:defRPr sz="1365"/>
+            <a:lvl4pPr marL="1080135" indent="0">
+              <a:buNone/>
+              <a:defRPr sz="1575"/>
             </a:lvl4pPr>
-            <a:lvl5pPr marL="1247973" indent="0">
-              <a:buNone/>
-              <a:defRPr sz="1365"/>
+            <a:lvl5pPr marL="1440180" indent="0">
+              <a:buNone/>
+              <a:defRPr sz="1575"/>
             </a:lvl5pPr>
-            <a:lvl6pPr marL="1559966" indent="0">
-              <a:buNone/>
-              <a:defRPr sz="1365"/>
+            <a:lvl6pPr marL="1800225" indent="0">
+              <a:buNone/>
+              <a:defRPr sz="1575"/>
             </a:lvl6pPr>
-            <a:lvl7pPr marL="1871960" indent="0">
-              <a:buNone/>
-              <a:defRPr sz="1365"/>
+            <a:lvl7pPr marL="2160270" indent="0">
+              <a:buNone/>
+              <a:defRPr sz="1575"/>
             </a:lvl7pPr>
-            <a:lvl8pPr marL="2183953" indent="0">
-              <a:buNone/>
-              <a:defRPr sz="1365"/>
+            <a:lvl8pPr marL="2520315" indent="0">
+              <a:buNone/>
+              <a:defRPr sz="1575"/>
             </a:lvl8pPr>
-            <a:lvl9pPr marL="2495946" indent="0">
-              <a:buNone/>
-              <a:defRPr sz="1365"/>
+            <a:lvl9pPr marL="2880360" indent="0">
+              <a:buNone/>
+              <a:defRPr sz="1575"/>
             </a:lvl9pPr>
           </a:lstStyle>
           <a:p>
@@ -2285,8 +2285,8 @@
         </p:nvSpPr>
         <p:spPr>
           <a:xfrm>
-            <a:off x="743891" y="1403985"/>
-            <a:ext cx="3483204" cy="2601056"/>
+            <a:off x="743891" y="1620202"/>
+            <a:ext cx="3483204" cy="3001626"/>
           </a:xfrm>
         </p:spPr>
         <p:txBody>
@@ -2294,39 +2294,39 @@
           <a:lstStyle>
             <a:lvl1pPr marL="0" indent="0">
               <a:buNone/>
-              <a:defRPr sz="1092"/>
+              <a:defRPr sz="1260"/>
             </a:lvl1pPr>
-            <a:lvl2pPr marL="311993" indent="0">
-              <a:buNone/>
-              <a:defRPr sz="955"/>
+            <a:lvl2pPr marL="360045" indent="0">
+              <a:buNone/>
+              <a:defRPr sz="1103"/>
             </a:lvl2pPr>
-            <a:lvl3pPr marL="623987" indent="0">
-              <a:buNone/>
-              <a:defRPr sz="819"/>
+            <a:lvl3pPr marL="720090" indent="0">
+              <a:buNone/>
+              <a:defRPr sz="945"/>
             </a:lvl3pPr>
-            <a:lvl4pPr marL="935980" indent="0">
-              <a:buNone/>
-              <a:defRPr sz="682"/>
+            <a:lvl4pPr marL="1080135" indent="0">
+              <a:buNone/>
+              <a:defRPr sz="788"/>
             </a:lvl4pPr>
-            <a:lvl5pPr marL="1247973" indent="0">
-              <a:buNone/>
-              <a:defRPr sz="682"/>
+            <a:lvl5pPr marL="1440180" indent="0">
+              <a:buNone/>
+              <a:defRPr sz="788"/>
             </a:lvl5pPr>
-            <a:lvl6pPr marL="1559966" indent="0">
-              <a:buNone/>
-              <a:defRPr sz="682"/>
+            <a:lvl6pPr marL="1800225" indent="0">
+              <a:buNone/>
+              <a:defRPr sz="788"/>
             </a:lvl6pPr>
-            <a:lvl7pPr marL="1871960" indent="0">
-              <a:buNone/>
-              <a:defRPr sz="682"/>
+            <a:lvl7pPr marL="2160270" indent="0">
+              <a:buNone/>
+              <a:defRPr sz="788"/>
             </a:lvl7pPr>
-            <a:lvl8pPr marL="2183953" indent="0">
-              <a:buNone/>
-              <a:defRPr sz="682"/>
+            <a:lvl8pPr marL="2520315" indent="0">
+              <a:buNone/>
+              <a:defRPr sz="788"/>
             </a:lvl8pPr>
-            <a:lvl9pPr marL="2495946" indent="0">
-              <a:buNone/>
-              <a:defRPr sz="682"/>
+            <a:lvl9pPr marL="2880360" indent="0">
+              <a:buNone/>
+              <a:defRPr sz="788"/>
             </a:lvl9pPr>
           </a:lstStyle>
           <a:p>
@@ -2406,7 +2406,7 @@
     </p:spTree>
     <p:extLst>
       <p:ext uri="{BB962C8B-B14F-4D97-AF65-F5344CB8AC3E}">
-        <p14:creationId xmlns:p14="http://schemas.microsoft.com/office/powerpoint/2010/main" val="2125796828"/>
+        <p14:creationId xmlns:p14="http://schemas.microsoft.com/office/powerpoint/2010/main" val="1938392617"/>
       </p:ext>
     </p:extLst>
   </p:cSld>
@@ -2450,8 +2450,8 @@
         </p:nvSpPr>
         <p:spPr>
           <a:xfrm>
-            <a:off x="742484" y="249164"/>
-            <a:ext cx="9314796" cy="904574"/>
+            <a:off x="742484" y="287536"/>
+            <a:ext cx="9314796" cy="1043881"/>
           </a:xfrm>
           <a:prstGeom prst="rect">
             <a:avLst/>
@@ -2483,8 +2483,8 @@
         </p:nvSpPr>
         <p:spPr>
           <a:xfrm>
-            <a:off x="742484" y="1245820"/>
-            <a:ext cx="9314796" cy="2969385"/>
+            <a:off x="742484" y="1437680"/>
+            <a:ext cx="9314796" cy="3426679"/>
           </a:xfrm>
           <a:prstGeom prst="rect">
             <a:avLst/>
@@ -2545,8 +2545,8 @@
         </p:nvSpPr>
         <p:spPr>
           <a:xfrm>
-            <a:off x="742484" y="4337621"/>
-            <a:ext cx="2429947" cy="249164"/>
+            <a:off x="742484" y="5005626"/>
+            <a:ext cx="2429947" cy="287536"/>
           </a:xfrm>
           <a:prstGeom prst="rect">
             <a:avLst/>
@@ -2556,7 +2556,7 @@
           <a:bodyPr vert="horz" lIns="91440" tIns="45720" rIns="91440" bIns="45720" rtlCol="0" anchor="ctr"/>
           <a:lstStyle>
             <a:lvl1pPr algn="l">
-              <a:defRPr sz="819">
+              <a:defRPr sz="945">
                 <a:solidFill>
                   <a:schemeClr val="tx1">
                     <a:tint val="75000"/>
@@ -2586,8 +2586,8 @@
         </p:nvSpPr>
         <p:spPr>
           <a:xfrm>
-            <a:off x="3577422" y="4337621"/>
-            <a:ext cx="3644920" cy="249164"/>
+            <a:off x="3577422" y="5005626"/>
+            <a:ext cx="3644920" cy="287536"/>
           </a:xfrm>
           <a:prstGeom prst="rect">
             <a:avLst/>
@@ -2597,7 +2597,7 @@
           <a:bodyPr vert="horz" lIns="91440" tIns="45720" rIns="91440" bIns="45720" rtlCol="0" anchor="ctr"/>
           <a:lstStyle>
             <a:lvl1pPr algn="ctr">
-              <a:defRPr sz="819">
+              <a:defRPr sz="945">
                 <a:solidFill>
                   <a:schemeClr val="tx1">
                     <a:tint val="75000"/>
@@ -2623,8 +2623,8 @@
         </p:nvSpPr>
         <p:spPr>
           <a:xfrm>
-            <a:off x="7627332" y="4337621"/>
-            <a:ext cx="2429947" cy="249164"/>
+            <a:off x="7627332" y="5005626"/>
+            <a:ext cx="2429947" cy="287536"/>
           </a:xfrm>
           <a:prstGeom prst="rect">
             <a:avLst/>
@@ -2634,7 +2634,7 @@
           <a:bodyPr vert="horz" lIns="91440" tIns="45720" rIns="91440" bIns="45720" rtlCol="0" anchor="ctr"/>
           <a:lstStyle>
             <a:lvl1pPr algn="r">
-              <a:defRPr sz="819">
+              <a:defRPr sz="945">
                 <a:solidFill>
                   <a:schemeClr val="tx1">
                     <a:tint val="75000"/>
@@ -2655,27 +2655,27 @@
     </p:spTree>
     <p:extLst>
       <p:ext uri="{BB962C8B-B14F-4D97-AF65-F5344CB8AC3E}">
-        <p14:creationId xmlns:p14="http://schemas.microsoft.com/office/powerpoint/2010/main" val="214725539"/>
+        <p14:creationId xmlns:p14="http://schemas.microsoft.com/office/powerpoint/2010/main" val="2890996246"/>
       </p:ext>
     </p:extLst>
   </p:cSld>
   <p:clrMap bg1="lt1" tx1="dk1" bg2="lt2" tx2="dk2" accent1="accent1" accent2="accent2" accent3="accent3" accent4="accent4" accent5="accent5" accent6="accent6" hlink="hlink" folHlink="folHlink"/>
   <p:sldLayoutIdLst>
-    <p:sldLayoutId id="2147483781" r:id="rId1"/>
-    <p:sldLayoutId id="2147483782" r:id="rId2"/>
-    <p:sldLayoutId id="2147483783" r:id="rId3"/>
-    <p:sldLayoutId id="2147483784" r:id="rId4"/>
-    <p:sldLayoutId id="2147483785" r:id="rId5"/>
-    <p:sldLayoutId id="2147483786" r:id="rId6"/>
-    <p:sldLayoutId id="2147483787" r:id="rId7"/>
-    <p:sldLayoutId id="2147483788" r:id="rId8"/>
-    <p:sldLayoutId id="2147483789" r:id="rId9"/>
-    <p:sldLayoutId id="2147483790" r:id="rId10"/>
-    <p:sldLayoutId id="2147483791" r:id="rId11"/>
+    <p:sldLayoutId id="2147483793" r:id="rId1"/>
+    <p:sldLayoutId id="2147483794" r:id="rId2"/>
+    <p:sldLayoutId id="2147483795" r:id="rId3"/>
+    <p:sldLayoutId id="2147483796" r:id="rId4"/>
+    <p:sldLayoutId id="2147483797" r:id="rId5"/>
+    <p:sldLayoutId id="2147483798" r:id="rId6"/>
+    <p:sldLayoutId id="2147483799" r:id="rId7"/>
+    <p:sldLayoutId id="2147483800" r:id="rId8"/>
+    <p:sldLayoutId id="2147483801" r:id="rId9"/>
+    <p:sldLayoutId id="2147483802" r:id="rId10"/>
+    <p:sldLayoutId id="2147483803" r:id="rId11"/>
   </p:sldLayoutIdLst>
   <p:txStyles>
     <p:titleStyle>
-      <a:lvl1pPr algn="l" defTabSz="623987" rtl="0" eaLnBrk="1" latinLnBrk="0" hangingPunct="1">
+      <a:lvl1pPr algn="l" defTabSz="720090" rtl="0" eaLnBrk="1" latinLnBrk="0" hangingPunct="1">
         <a:lnSpc>
           <a:spcPct val="90000"/>
         </a:lnSpc>
@@ -2683,7 +2683,7 @@
           <a:spcPct val="0"/>
         </a:spcBef>
         <a:buNone/>
-        <a:defRPr sz="3003" kern="1200">
+        <a:defRPr sz="3465" kern="1200">
           <a:solidFill>
             <a:schemeClr val="tx1"/>
           </a:solidFill>
@@ -2694,16 +2694,16 @@
       </a:lvl1pPr>
     </p:titleStyle>
     <p:bodyStyle>
-      <a:lvl1pPr marL="155997" indent="-155997" algn="l" defTabSz="623987" rtl="0" eaLnBrk="1" latinLnBrk="0" hangingPunct="1">
+      <a:lvl1pPr marL="180023" indent="-180023" algn="l" defTabSz="720090" rtl="0" eaLnBrk="1" latinLnBrk="0" hangingPunct="1">
         <a:lnSpc>
           <a:spcPct val="90000"/>
         </a:lnSpc>
         <a:spcBef>
-          <a:spcPts val="682"/>
+          <a:spcPts val="788"/>
         </a:spcBef>
         <a:buFont typeface="Arial" panose="020B0604020202020204" pitchFamily="34" charset="0"/>
         <a:buChar char="•"/>
-        <a:defRPr sz="1911" kern="1200">
+        <a:defRPr sz="2205" kern="1200">
           <a:solidFill>
             <a:schemeClr val="tx1"/>
           </a:solidFill>
@@ -2712,16 +2712,16 @@
           <a:cs typeface="+mn-cs"/>
         </a:defRPr>
       </a:lvl1pPr>
-      <a:lvl2pPr marL="467990" indent="-155997" algn="l" defTabSz="623987" rtl="0" eaLnBrk="1" latinLnBrk="0" hangingPunct="1">
+      <a:lvl2pPr marL="540068" indent="-180023" algn="l" defTabSz="720090" rtl="0" eaLnBrk="1" latinLnBrk="0" hangingPunct="1">
         <a:lnSpc>
           <a:spcPct val="90000"/>
         </a:lnSpc>
         <a:spcBef>
-          <a:spcPts val="341"/>
+          <a:spcPts val="394"/>
         </a:spcBef>
         <a:buFont typeface="Arial" panose="020B0604020202020204" pitchFamily="34" charset="0"/>
         <a:buChar char="•"/>
-        <a:defRPr sz="1638" kern="1200">
+        <a:defRPr sz="1890" kern="1200">
           <a:solidFill>
             <a:schemeClr val="tx1"/>
           </a:solidFill>
@@ -2730,16 +2730,16 @@
           <a:cs typeface="+mn-cs"/>
         </a:defRPr>
       </a:lvl2pPr>
-      <a:lvl3pPr marL="779983" indent="-155997" algn="l" defTabSz="623987" rtl="0" eaLnBrk="1" latinLnBrk="0" hangingPunct="1">
+      <a:lvl3pPr marL="900113" indent="-180023" algn="l" defTabSz="720090" rtl="0" eaLnBrk="1" latinLnBrk="0" hangingPunct="1">
         <a:lnSpc>
           <a:spcPct val="90000"/>
         </a:lnSpc>
         <a:spcBef>
-          <a:spcPts val="341"/>
+          <a:spcPts val="394"/>
         </a:spcBef>
         <a:buFont typeface="Arial" panose="020B0604020202020204" pitchFamily="34" charset="0"/>
         <a:buChar char="•"/>
-        <a:defRPr sz="1365" kern="1200">
+        <a:defRPr sz="1575" kern="1200">
           <a:solidFill>
             <a:schemeClr val="tx1"/>
           </a:solidFill>
@@ -2748,16 +2748,16 @@
           <a:cs typeface="+mn-cs"/>
         </a:defRPr>
       </a:lvl3pPr>
-      <a:lvl4pPr marL="1091976" indent="-155997" algn="l" defTabSz="623987" rtl="0" eaLnBrk="1" latinLnBrk="0" hangingPunct="1">
+      <a:lvl4pPr marL="1260158" indent="-180023" algn="l" defTabSz="720090" rtl="0" eaLnBrk="1" latinLnBrk="0" hangingPunct="1">
         <a:lnSpc>
           <a:spcPct val="90000"/>
         </a:lnSpc>
         <a:spcBef>
-          <a:spcPts val="341"/>
+          <a:spcPts val="394"/>
         </a:spcBef>
         <a:buFont typeface="Arial" panose="020B0604020202020204" pitchFamily="34" charset="0"/>
         <a:buChar char="•"/>
-        <a:defRPr sz="1228" kern="1200">
+        <a:defRPr sz="1418" kern="1200">
           <a:solidFill>
             <a:schemeClr val="tx1"/>
           </a:solidFill>
@@ -2766,16 +2766,16 @@
           <a:cs typeface="+mn-cs"/>
         </a:defRPr>
       </a:lvl4pPr>
-      <a:lvl5pPr marL="1403970" indent="-155997" algn="l" defTabSz="623987" rtl="0" eaLnBrk="1" latinLnBrk="0" hangingPunct="1">
+      <a:lvl5pPr marL="1620203" indent="-180023" algn="l" defTabSz="720090" rtl="0" eaLnBrk="1" latinLnBrk="0" hangingPunct="1">
         <a:lnSpc>
           <a:spcPct val="90000"/>
         </a:lnSpc>
         <a:spcBef>
-          <a:spcPts val="341"/>
+          <a:spcPts val="394"/>
         </a:spcBef>
         <a:buFont typeface="Arial" panose="020B0604020202020204" pitchFamily="34" charset="0"/>
         <a:buChar char="•"/>
-        <a:defRPr sz="1228" kern="1200">
+        <a:defRPr sz="1418" kern="1200">
           <a:solidFill>
             <a:schemeClr val="tx1"/>
           </a:solidFill>
@@ -2784,16 +2784,16 @@
           <a:cs typeface="+mn-cs"/>
         </a:defRPr>
       </a:lvl5pPr>
-      <a:lvl6pPr marL="1715963" indent="-155997" algn="l" defTabSz="623987" rtl="0" eaLnBrk="1" latinLnBrk="0" hangingPunct="1">
+      <a:lvl6pPr marL="1980248" indent="-180023" algn="l" defTabSz="720090" rtl="0" eaLnBrk="1" latinLnBrk="0" hangingPunct="1">
         <a:lnSpc>
           <a:spcPct val="90000"/>
         </a:lnSpc>
         <a:spcBef>
-          <a:spcPts val="341"/>
+          <a:spcPts val="394"/>
         </a:spcBef>
         <a:buFont typeface="Arial" panose="020B0604020202020204" pitchFamily="34" charset="0"/>
         <a:buChar char="•"/>
-        <a:defRPr sz="1228" kern="1200">
+        <a:defRPr sz="1418" kern="1200">
           <a:solidFill>
             <a:schemeClr val="tx1"/>
           </a:solidFill>
@@ -2802,16 +2802,16 @@
           <a:cs typeface="+mn-cs"/>
         </a:defRPr>
       </a:lvl6pPr>
-      <a:lvl7pPr marL="2027956" indent="-155997" algn="l" defTabSz="623987" rtl="0" eaLnBrk="1" latinLnBrk="0" hangingPunct="1">
+      <a:lvl7pPr marL="2340293" indent="-180023" algn="l" defTabSz="720090" rtl="0" eaLnBrk="1" latinLnBrk="0" hangingPunct="1">
         <a:lnSpc>
           <a:spcPct val="90000"/>
         </a:lnSpc>
         <a:spcBef>
-          <a:spcPts val="341"/>
+          <a:spcPts val="394"/>
         </a:spcBef>
         <a:buFont typeface="Arial" panose="020B0604020202020204" pitchFamily="34" charset="0"/>
         <a:buChar char="•"/>
-        <a:defRPr sz="1228" kern="1200">
+        <a:defRPr sz="1418" kern="1200">
           <a:solidFill>
             <a:schemeClr val="tx1"/>
           </a:solidFill>
@@ -2820,16 +2820,16 @@
           <a:cs typeface="+mn-cs"/>
         </a:defRPr>
       </a:lvl7pPr>
-      <a:lvl8pPr marL="2339950" indent="-155997" algn="l" defTabSz="623987" rtl="0" eaLnBrk="1" latinLnBrk="0" hangingPunct="1">
+      <a:lvl8pPr marL="2700338" indent="-180023" algn="l" defTabSz="720090" rtl="0" eaLnBrk="1" latinLnBrk="0" hangingPunct="1">
         <a:lnSpc>
           <a:spcPct val="90000"/>
         </a:lnSpc>
         <a:spcBef>
-          <a:spcPts val="341"/>
+          <a:spcPts val="394"/>
         </a:spcBef>
         <a:buFont typeface="Arial" panose="020B0604020202020204" pitchFamily="34" charset="0"/>
         <a:buChar char="•"/>
-        <a:defRPr sz="1228" kern="1200">
+        <a:defRPr sz="1418" kern="1200">
           <a:solidFill>
             <a:schemeClr val="tx1"/>
           </a:solidFill>
@@ -2838,16 +2838,16 @@
           <a:cs typeface="+mn-cs"/>
         </a:defRPr>
       </a:lvl8pPr>
-      <a:lvl9pPr marL="2651943" indent="-155997" algn="l" defTabSz="623987" rtl="0" eaLnBrk="1" latinLnBrk="0" hangingPunct="1">
+      <a:lvl9pPr marL="3060383" indent="-180023" algn="l" defTabSz="720090" rtl="0" eaLnBrk="1" latinLnBrk="0" hangingPunct="1">
         <a:lnSpc>
           <a:spcPct val="90000"/>
         </a:lnSpc>
         <a:spcBef>
-          <a:spcPts val="341"/>
+          <a:spcPts val="394"/>
         </a:spcBef>
         <a:buFont typeface="Arial" panose="020B0604020202020204" pitchFamily="34" charset="0"/>
         <a:buChar char="•"/>
-        <a:defRPr sz="1228" kern="1200">
+        <a:defRPr sz="1418" kern="1200">
           <a:solidFill>
             <a:schemeClr val="tx1"/>
           </a:solidFill>
@@ -2861,8 +2861,8 @@
       <a:defPPr>
         <a:defRPr lang="en-US"/>
       </a:defPPr>
-      <a:lvl1pPr marL="0" algn="l" defTabSz="623987" rtl="0" eaLnBrk="1" latinLnBrk="0" hangingPunct="1">
-        <a:defRPr sz="1228" kern="1200">
+      <a:lvl1pPr marL="0" algn="l" defTabSz="720090" rtl="0" eaLnBrk="1" latinLnBrk="0" hangingPunct="1">
+        <a:defRPr sz="1418" kern="1200">
           <a:solidFill>
             <a:schemeClr val="tx1"/>
           </a:solidFill>
@@ -2871,8 +2871,8 @@
           <a:cs typeface="+mn-cs"/>
         </a:defRPr>
       </a:lvl1pPr>
-      <a:lvl2pPr marL="311993" algn="l" defTabSz="623987" rtl="0" eaLnBrk="1" latinLnBrk="0" hangingPunct="1">
-        <a:defRPr sz="1228" kern="1200">
+      <a:lvl2pPr marL="360045" algn="l" defTabSz="720090" rtl="0" eaLnBrk="1" latinLnBrk="0" hangingPunct="1">
+        <a:defRPr sz="1418" kern="1200">
           <a:solidFill>
             <a:schemeClr val="tx1"/>
           </a:solidFill>
@@ -2881,8 +2881,8 @@
           <a:cs typeface="+mn-cs"/>
         </a:defRPr>
       </a:lvl2pPr>
-      <a:lvl3pPr marL="623987" algn="l" defTabSz="623987" rtl="0" eaLnBrk="1" latinLnBrk="0" hangingPunct="1">
-        <a:defRPr sz="1228" kern="1200">
+      <a:lvl3pPr marL="720090" algn="l" defTabSz="720090" rtl="0" eaLnBrk="1" latinLnBrk="0" hangingPunct="1">
+        <a:defRPr sz="1418" kern="1200">
           <a:solidFill>
             <a:schemeClr val="tx1"/>
           </a:solidFill>
@@ -2891,8 +2891,8 @@
           <a:cs typeface="+mn-cs"/>
         </a:defRPr>
       </a:lvl3pPr>
-      <a:lvl4pPr marL="935980" algn="l" defTabSz="623987" rtl="0" eaLnBrk="1" latinLnBrk="0" hangingPunct="1">
-        <a:defRPr sz="1228" kern="1200">
+      <a:lvl4pPr marL="1080135" algn="l" defTabSz="720090" rtl="0" eaLnBrk="1" latinLnBrk="0" hangingPunct="1">
+        <a:defRPr sz="1418" kern="1200">
           <a:solidFill>
             <a:schemeClr val="tx1"/>
           </a:solidFill>
@@ -2901,8 +2901,8 @@
           <a:cs typeface="+mn-cs"/>
         </a:defRPr>
       </a:lvl4pPr>
-      <a:lvl5pPr marL="1247973" algn="l" defTabSz="623987" rtl="0" eaLnBrk="1" latinLnBrk="0" hangingPunct="1">
-        <a:defRPr sz="1228" kern="1200">
+      <a:lvl5pPr marL="1440180" algn="l" defTabSz="720090" rtl="0" eaLnBrk="1" latinLnBrk="0" hangingPunct="1">
+        <a:defRPr sz="1418" kern="1200">
           <a:solidFill>
             <a:schemeClr val="tx1"/>
           </a:solidFill>
@@ -2911,8 +2911,8 @@
           <a:cs typeface="+mn-cs"/>
         </a:defRPr>
       </a:lvl5pPr>
-      <a:lvl6pPr marL="1559966" algn="l" defTabSz="623987" rtl="0" eaLnBrk="1" latinLnBrk="0" hangingPunct="1">
-        <a:defRPr sz="1228" kern="1200">
+      <a:lvl6pPr marL="1800225" algn="l" defTabSz="720090" rtl="0" eaLnBrk="1" latinLnBrk="0" hangingPunct="1">
+        <a:defRPr sz="1418" kern="1200">
           <a:solidFill>
             <a:schemeClr val="tx1"/>
           </a:solidFill>
@@ -2921,8 +2921,8 @@
           <a:cs typeface="+mn-cs"/>
         </a:defRPr>
       </a:lvl6pPr>
-      <a:lvl7pPr marL="1871960" algn="l" defTabSz="623987" rtl="0" eaLnBrk="1" latinLnBrk="0" hangingPunct="1">
-        <a:defRPr sz="1228" kern="1200">
+      <a:lvl7pPr marL="2160270" algn="l" defTabSz="720090" rtl="0" eaLnBrk="1" latinLnBrk="0" hangingPunct="1">
+        <a:defRPr sz="1418" kern="1200">
           <a:solidFill>
             <a:schemeClr val="tx1"/>
           </a:solidFill>
@@ -2931,8 +2931,8 @@
           <a:cs typeface="+mn-cs"/>
         </a:defRPr>
       </a:lvl7pPr>
-      <a:lvl8pPr marL="2183953" algn="l" defTabSz="623987" rtl="0" eaLnBrk="1" latinLnBrk="0" hangingPunct="1">
-        <a:defRPr sz="1228" kern="1200">
+      <a:lvl8pPr marL="2520315" algn="l" defTabSz="720090" rtl="0" eaLnBrk="1" latinLnBrk="0" hangingPunct="1">
+        <a:defRPr sz="1418" kern="1200">
           <a:solidFill>
             <a:schemeClr val="tx1"/>
           </a:solidFill>
@@ -2941,8 +2941,8 @@
           <a:cs typeface="+mn-cs"/>
         </a:defRPr>
       </a:lvl8pPr>
-      <a:lvl9pPr marL="2495946" algn="l" defTabSz="623987" rtl="0" eaLnBrk="1" latinLnBrk="0" hangingPunct="1">
-        <a:defRPr sz="1228" kern="1200">
+      <a:lvl9pPr marL="2880360" algn="l" defTabSz="720090" rtl="0" eaLnBrk="1" latinLnBrk="0" hangingPunct="1">
+        <a:defRPr sz="1418" kern="1200">
           <a:solidFill>
             <a:schemeClr val="tx1"/>
           </a:solidFill>
@@ -2987,7 +2987,7 @@
         </p:nvSpPr>
         <p:spPr>
           <a:xfrm>
-            <a:off x="2327301" y="392874"/>
+            <a:off x="2327302" y="715136"/>
             <a:ext cx="6286561" cy="3378134"/>
           </a:xfrm>
           <a:prstGeom prst="roundRect">
@@ -3041,7 +3041,7 @@
         </p:nvSpPr>
         <p:spPr>
           <a:xfrm>
-            <a:off x="402869" y="1764599"/>
+            <a:off x="402869" y="2086861"/>
             <a:ext cx="1637938" cy="707886"/>
           </a:xfrm>
           <a:prstGeom prst="rect">
@@ -3100,7 +3100,7 @@
         </p:nvSpPr>
         <p:spPr>
           <a:xfrm>
-            <a:off x="2801881" y="210291"/>
+            <a:off x="2801881" y="532554"/>
             <a:ext cx="2013284" cy="399583"/>
           </a:xfrm>
           <a:prstGeom prst="rect">
@@ -3151,7 +3151,7 @@
         </p:nvCxnSpPr>
         <p:spPr>
           <a:xfrm>
-            <a:off x="1953420" y="2118542"/>
+            <a:off x="1953420" y="2440804"/>
             <a:ext cx="1192484" cy="0"/>
           </a:xfrm>
           <a:prstGeom prst="straightConnector1">
@@ -3193,7 +3193,7 @@
         </p:nvSpPr>
         <p:spPr>
           <a:xfrm>
-            <a:off x="3300761" y="1870999"/>
+            <a:off x="3300762" y="2193261"/>
             <a:ext cx="1547569" cy="400110"/>
           </a:xfrm>
           <a:prstGeom prst="rect">
@@ -3229,7 +3229,7 @@
         </p:nvSpPr>
         <p:spPr>
           <a:xfrm>
-            <a:off x="4304475" y="757803"/>
+            <a:off x="4304476" y="1080065"/>
             <a:ext cx="1547569" cy="400110"/>
           </a:xfrm>
           <a:prstGeom prst="rect">
@@ -3266,7 +3266,7 @@
         </p:nvSpPr>
         <p:spPr>
           <a:xfrm>
-            <a:off x="6149150" y="1370758"/>
+            <a:off x="6149151" y="1693020"/>
             <a:ext cx="1547569" cy="400110"/>
           </a:xfrm>
           <a:prstGeom prst="rect">
@@ -3303,7 +3303,7 @@
         </p:nvSpPr>
         <p:spPr>
           <a:xfrm>
-            <a:off x="6296253" y="2880449"/>
+            <a:off x="6296254" y="3202711"/>
             <a:ext cx="1547569" cy="400110"/>
           </a:xfrm>
           <a:prstGeom prst="rect">
@@ -3340,7 +3340,7 @@
         </p:nvSpPr>
         <p:spPr>
           <a:xfrm>
-            <a:off x="3937239" y="3080504"/>
+            <a:off x="3937240" y="3402766"/>
             <a:ext cx="1547569" cy="400110"/>
           </a:xfrm>
           <a:prstGeom prst="rect">
@@ -3379,7 +3379,7 @@
         </p:nvGrpSpPr>
         <p:grpSpPr>
           <a:xfrm rot="20455344">
-            <a:off x="4399623" y="941012"/>
+            <a:off x="4399624" y="1263275"/>
             <a:ext cx="2508705" cy="2600037"/>
             <a:chOff x="2553298" y="1455437"/>
             <a:chExt cx="2630891" cy="2726671"/>
@@ -3561,7 +3561,7 @@
         </p:nvSpPr>
         <p:spPr>
           <a:xfrm rot="11364974">
-            <a:off x="4396296" y="1001977"/>
+            <a:off x="4396296" y="1324240"/>
             <a:ext cx="2487018" cy="2487397"/>
           </a:xfrm>
           <a:prstGeom prst="circularArrow">
@@ -3614,7 +3614,7 @@
         </p:nvSpPr>
         <p:spPr>
           <a:xfrm rot="2114632">
-            <a:off x="4471102" y="1056929"/>
+            <a:off x="4471103" y="1379192"/>
             <a:ext cx="2487019" cy="2487397"/>
           </a:xfrm>
           <a:prstGeom prst="circularArrow">
@@ -3667,7 +3667,7 @@
         </p:nvCxnSpPr>
         <p:spPr>
           <a:xfrm>
-            <a:off x="7729821" y="2150443"/>
+            <a:off x="7729821" y="2472705"/>
             <a:ext cx="1192484" cy="0"/>
           </a:xfrm>
           <a:prstGeom prst="straightConnector1">
@@ -3709,7 +3709,7 @@
         </p:nvSpPr>
         <p:spPr>
           <a:xfrm>
-            <a:off x="8972898" y="1952438"/>
+            <a:off x="8972899" y="2274700"/>
             <a:ext cx="1230607" cy="400110"/>
           </a:xfrm>
           <a:prstGeom prst="rect">
@@ -3752,7 +3752,7 @@
         </p:nvSpPr>
         <p:spPr>
           <a:xfrm>
-            <a:off x="182357" y="113414"/>
+            <a:off x="182357" y="435676"/>
             <a:ext cx="10384862" cy="4260112"/>
           </a:xfrm>
           <a:prstGeom prst="rect">
@@ -3804,7 +3804,7 @@
         </p:nvSpPr>
         <p:spPr>
           <a:xfrm>
-            <a:off x="1794409" y="4174437"/>
+            <a:off x="1794409" y="4496699"/>
             <a:ext cx="7627050" cy="400110"/>
           </a:xfrm>
           <a:prstGeom prst="rect">
